--- a/src/media/splash/omniacreator-splash/splash.pptx
+++ b/src/media/splash/omniacreator-splash/splash.pptx
@@ -305,7 +305,7 @@
             <a:fld id="{1D8BD707-D9CF-40AE-B4C6-C98DA3205C09}" type="datetimeFigureOut">
               <a:rPr lang="en-US" smtClean="0"/>
               <a:pPr/>
-              <a:t>6/18/2014</a:t>
+              <a:t>10/25/2015</a:t>
             </a:fld>
             <a:endParaRPr lang="en-US"/>
           </a:p>
@@ -472,7 +472,7 @@
             <a:fld id="{1D8BD707-D9CF-40AE-B4C6-C98DA3205C09}" type="datetimeFigureOut">
               <a:rPr lang="en-US" smtClean="0"/>
               <a:pPr/>
-              <a:t>6/18/2014</a:t>
+              <a:t>10/25/2015</a:t>
             </a:fld>
             <a:endParaRPr lang="en-US"/>
           </a:p>
@@ -649,7 +649,7 @@
             <a:fld id="{1D8BD707-D9CF-40AE-B4C6-C98DA3205C09}" type="datetimeFigureOut">
               <a:rPr lang="en-US" smtClean="0"/>
               <a:pPr/>
-              <a:t>6/18/2014</a:t>
+              <a:t>10/25/2015</a:t>
             </a:fld>
             <a:endParaRPr lang="en-US"/>
           </a:p>
@@ -816,7 +816,7 @@
             <a:fld id="{1D8BD707-D9CF-40AE-B4C6-C98DA3205C09}" type="datetimeFigureOut">
               <a:rPr lang="en-US" smtClean="0"/>
               <a:pPr/>
-              <a:t>6/18/2014</a:t>
+              <a:t>10/25/2015</a:t>
             </a:fld>
             <a:endParaRPr lang="en-US"/>
           </a:p>
@@ -1059,7 +1059,7 @@
             <a:fld id="{1D8BD707-D9CF-40AE-B4C6-C98DA3205C09}" type="datetimeFigureOut">
               <a:rPr lang="en-US" smtClean="0"/>
               <a:pPr/>
-              <a:t>6/18/2014</a:t>
+              <a:t>10/25/2015</a:t>
             </a:fld>
             <a:endParaRPr lang="en-US"/>
           </a:p>
@@ -1344,7 +1344,7 @@
             <a:fld id="{1D8BD707-D9CF-40AE-B4C6-C98DA3205C09}" type="datetimeFigureOut">
               <a:rPr lang="en-US" smtClean="0"/>
               <a:pPr/>
-              <a:t>6/18/2014</a:t>
+              <a:t>10/25/2015</a:t>
             </a:fld>
             <a:endParaRPr lang="en-US"/>
           </a:p>
@@ -1763,7 +1763,7 @@
             <a:fld id="{1D8BD707-D9CF-40AE-B4C6-C98DA3205C09}" type="datetimeFigureOut">
               <a:rPr lang="en-US" smtClean="0"/>
               <a:pPr/>
-              <a:t>6/18/2014</a:t>
+              <a:t>10/25/2015</a:t>
             </a:fld>
             <a:endParaRPr lang="en-US"/>
           </a:p>
@@ -1878,7 +1878,7 @@
             <a:fld id="{1D8BD707-D9CF-40AE-B4C6-C98DA3205C09}" type="datetimeFigureOut">
               <a:rPr lang="en-US" smtClean="0"/>
               <a:pPr/>
-              <a:t>6/18/2014</a:t>
+              <a:t>10/25/2015</a:t>
             </a:fld>
             <a:endParaRPr lang="en-US"/>
           </a:p>
@@ -1970,7 +1970,7 @@
             <a:fld id="{1D8BD707-D9CF-40AE-B4C6-C98DA3205C09}" type="datetimeFigureOut">
               <a:rPr lang="en-US" smtClean="0"/>
               <a:pPr/>
-              <a:t>6/18/2014</a:t>
+              <a:t>10/25/2015</a:t>
             </a:fld>
             <a:endParaRPr lang="en-US"/>
           </a:p>
@@ -2244,7 +2244,7 @@
             <a:fld id="{1D8BD707-D9CF-40AE-B4C6-C98DA3205C09}" type="datetimeFigureOut">
               <a:rPr lang="en-US" smtClean="0"/>
               <a:pPr/>
-              <a:t>6/18/2014</a:t>
+              <a:t>10/25/2015</a:t>
             </a:fld>
             <a:endParaRPr lang="en-US"/>
           </a:p>
@@ -2494,7 +2494,7 @@
             <a:fld id="{1D8BD707-D9CF-40AE-B4C6-C98DA3205C09}" type="datetimeFigureOut">
               <a:rPr lang="en-US" smtClean="0"/>
               <a:pPr/>
-              <a:t>6/18/2014</a:t>
+              <a:t>10/25/2015</a:t>
             </a:fld>
             <a:endParaRPr lang="en-US"/>
           </a:p>
@@ -2704,7 +2704,7 @@
             <a:fld id="{1D8BD707-D9CF-40AE-B4C6-C98DA3205C09}" type="datetimeFigureOut">
               <a:rPr lang="en-US" smtClean="0"/>
               <a:pPr/>
-              <a:t>6/18/2014</a:t>
+              <a:t>10/25/2015</a:t>
             </a:fld>
             <a:endParaRPr lang="en-US"/>
           </a:p>
@@ -3267,8 +3267,13 @@
                     <a:schemeClr val="bg1"/>
                   </a:solidFill>
                 </a:rPr>
-                <a:t>A cross platform C/C++ IDE for Makers</a:t>
+                <a:t>Data Visualization</a:t>
               </a:r>
+              <a:endParaRPr lang="en-US" sz="3000" dirty="0" smtClean="0">
+                <a:solidFill>
+                  <a:schemeClr val="bg1"/>
+                </a:solidFill>
+              </a:endParaRPr>
             </a:p>
             <a:p>
               <a:endParaRPr lang="en-US" sz="3000" dirty="0" smtClean="0">
@@ -3345,7 +3350,7 @@
                     <a:schemeClr val="bg1"/>
                   </a:solidFill>
                 </a:rPr>
-                <a:t>Qt</a:t>
+                <a:t>QCustomPlot</a:t>
               </a:r>
               <a:r>
                 <a:rPr lang="en-US" sz="2800" dirty="0" smtClean="0">
@@ -3353,23 +3358,7 @@
                     <a:schemeClr val="bg1"/>
                   </a:solidFill>
                 </a:rPr>
-                <a:t> Creator from </a:t>
-              </a:r>
-              <a:r>
-                <a:rPr lang="en-US" sz="2800" dirty="0" err="1" smtClean="0">
-                  <a:solidFill>
-                    <a:schemeClr val="bg1"/>
-                  </a:solidFill>
-                </a:rPr>
-                <a:t>Digia</a:t>
-              </a:r>
-              <a:r>
-                <a:rPr lang="en-US" sz="2800" dirty="0" smtClean="0">
-                  <a:solidFill>
-                    <a:schemeClr val="bg1"/>
-                  </a:solidFill>
-                </a:rPr>
-                <a:t> Plc</a:t>
+                <a:t> and FFTW</a:t>
               </a:r>
               <a:endParaRPr lang="en-US" sz="2800" dirty="0">
                 <a:solidFill>
